--- a/Poster/Poster Alejandro.pptx
+++ b/Poster/Poster Alejandro.pptx
@@ -563,7 +563,7 @@
             <a:fld id="{9D21D778-B565-4D7E-94D7-64010A445B68}" type="datetimeFigureOut">
               <a:rPr lang="en-US" smtClean="0"/>
               <a:pPr eaLnBrk="1" latinLnBrk="0" hangingPunct="1"/>
-              <a:t>16-10-12</a:t>
+              <a:t>10/16/2012</a:t>
             </a:fld>
             <a:endParaRPr lang="en-US"/>
           </a:p>
@@ -607,7 +607,7 @@
             <a:fld id="{2C6B1FF6-39B9-40F5-8B67-33C6354A3D4F}" type="slidenum">
               <a:rPr kumimoji="0" lang="en-US" smtClean="0"/>
               <a:pPr eaLnBrk="1" latinLnBrk="0" hangingPunct="1"/>
-              <a:t>‹Nr.›</a:t>
+              <a:t>‹Nº›</a:t>
             </a:fld>
             <a:endParaRPr kumimoji="0" lang="en-US" dirty="0">
               <a:solidFill>
@@ -662,7 +662,7 @@
   <p:timing>
     <p:tnLst>
       <p:par>
-        <p:cTn xmlns:p14="http://schemas.microsoft.com/office/powerpoint/2010/main" id="1" dur="indefinite" restart="never" nodeType="tmRoot"/>
+        <p:cTn id="1" dur="indefinite" restart="never" nodeType="tmRoot"/>
       </p:par>
     </p:tnLst>
   </p:timing>
@@ -822,7 +822,7 @@
             <a:fld id="{F5537953-B4E5-9C4D-989D-7C049F3D8AA6}" type="slidenum">
               <a:rPr lang="es-ES_tradnl" smtClean="0"/>
               <a:pPr/>
-              <a:t>‹Nr.›</a:t>
+              <a:t>‹Nº›</a:t>
             </a:fld>
             <a:endParaRPr lang="es-ES_tradnl"/>
           </a:p>
@@ -836,7 +836,7 @@
   <p:timing>
     <p:tnLst>
       <p:par>
-        <p:cTn xmlns:p14="http://schemas.microsoft.com/office/powerpoint/2010/main" id="1" dur="indefinite" restart="never" nodeType="tmRoot"/>
+        <p:cTn id="1" dur="indefinite" restart="never" nodeType="tmRoot"/>
       </p:par>
     </p:tnLst>
   </p:timing>
@@ -1006,7 +1006,7 @@
             <a:fld id="{B2E1851F-D89B-434C-AB44-201A18794209}" type="slidenum">
               <a:rPr lang="es-ES_tradnl" smtClean="0"/>
               <a:pPr/>
-              <a:t>‹Nr.›</a:t>
+              <a:t>‹Nº›</a:t>
             </a:fld>
             <a:endParaRPr lang="es-ES_tradnl"/>
           </a:p>
@@ -1020,7 +1020,7 @@
   <p:timing>
     <p:tnLst>
       <p:par>
-        <p:cTn xmlns:p14="http://schemas.microsoft.com/office/powerpoint/2010/main" id="1" dur="indefinite" restart="never" nodeType="tmRoot"/>
+        <p:cTn id="1" dur="indefinite" restart="never" nodeType="tmRoot"/>
       </p:par>
     </p:tnLst>
   </p:timing>
@@ -1100,7 +1100,7 @@
             <a:fld id="{043DD8A5-70BA-3742-B60D-0143C24B797E}" type="slidenum">
               <a:rPr lang="es-ES_tradnl" smtClean="0"/>
               <a:pPr/>
-              <a:t>‹Nr.›</a:t>
+              <a:t>‹Nº›</a:t>
             </a:fld>
             <a:endParaRPr lang="es-ES_tradnl"/>
           </a:p>
@@ -1194,7 +1194,7 @@
   <p:timing>
     <p:tnLst>
       <p:par>
-        <p:cTn xmlns:p14="http://schemas.microsoft.com/office/powerpoint/2010/main" id="1" dur="indefinite" restart="never" nodeType="tmRoot"/>
+        <p:cTn id="1" dur="indefinite" restart="never" nodeType="tmRoot"/>
       </p:par>
     </p:tnLst>
   </p:timing>
@@ -1656,7 +1656,7 @@
             <a:fld id="{9D21D778-B565-4D7E-94D7-64010A445B68}" type="datetimeFigureOut">
               <a:rPr lang="en-US" smtClean="0"/>
               <a:pPr eaLnBrk="1" latinLnBrk="0" hangingPunct="1"/>
-              <a:t>16-10-12</a:t>
+              <a:t>10/16/2012</a:t>
             </a:fld>
             <a:endParaRPr lang="en-US"/>
           </a:p>
@@ -1700,7 +1700,7 @@
             <a:fld id="{2C6B1FF6-39B9-40F5-8B67-33C6354A3D4F}" type="slidenum">
               <a:rPr kumimoji="0" lang="en-US" smtClean="0"/>
               <a:pPr eaLnBrk="1" latinLnBrk="0" hangingPunct="1"/>
-              <a:t>‹Nr.›</a:t>
+              <a:t>‹Nº›</a:t>
             </a:fld>
             <a:endParaRPr kumimoji="0" lang="en-US" dirty="0">
               <a:solidFill>
@@ -1720,7 +1720,7 @@
   <p:timing>
     <p:tnLst>
       <p:par>
-        <p:cTn xmlns:p14="http://schemas.microsoft.com/office/powerpoint/2010/main" id="1" dur="indefinite" restart="never" nodeType="tmRoot"/>
+        <p:cTn id="1" dur="indefinite" restart="never" nodeType="tmRoot"/>
       </p:par>
     </p:tnLst>
   </p:timing>
@@ -1800,7 +1800,7 @@
             <a:fld id="{58B138C3-C88C-EB40-BE2F-A533E06A0D85}" type="slidenum">
               <a:rPr lang="es-ES_tradnl" smtClean="0"/>
               <a:pPr/>
-              <a:t>‹Nr.›</a:t>
+              <a:t>‹Nº›</a:t>
             </a:fld>
             <a:endParaRPr lang="es-ES_tradnl"/>
           </a:p>
@@ -1951,7 +1951,7 @@
   <p:timing>
     <p:tnLst>
       <p:par>
-        <p:cTn xmlns:p14="http://schemas.microsoft.com/office/powerpoint/2010/main" id="1" dur="indefinite" restart="never" nodeType="tmRoot"/>
+        <p:cTn id="1" dur="indefinite" restart="never" nodeType="tmRoot"/>
       </p:par>
     </p:tnLst>
   </p:timing>
@@ -2402,7 +2402,7 @@
             <a:fld id="{84D18AED-CA9E-3643-9B11-DB8E2AF6E5F9}" type="slidenum">
               <a:rPr lang="es-ES_tradnl" smtClean="0"/>
               <a:pPr/>
-              <a:t>‹Nr.›</a:t>
+              <a:t>‹Nº›</a:t>
             </a:fld>
             <a:endParaRPr lang="es-ES_tradnl"/>
           </a:p>
@@ -2439,7 +2439,7 @@
   <p:timing>
     <p:tnLst>
       <p:par>
-        <p:cTn xmlns:p14="http://schemas.microsoft.com/office/powerpoint/2010/main" id="1" dur="indefinite" restart="never" nodeType="tmRoot"/>
+        <p:cTn id="1" dur="indefinite" restart="never" nodeType="tmRoot"/>
       </p:par>
     </p:tnLst>
   </p:timing>
@@ -2542,7 +2542,7 @@
             <a:fld id="{ED640B66-8908-554A-B739-CC9E249029CB}" type="slidenum">
               <a:rPr lang="es-ES_tradnl" smtClean="0"/>
               <a:pPr/>
-              <a:t>‹Nr.›</a:t>
+              <a:t>‹Nº›</a:t>
             </a:fld>
             <a:endParaRPr lang="es-ES_tradnl"/>
           </a:p>
@@ -2556,7 +2556,7 @@
   <p:timing>
     <p:tnLst>
       <p:par>
-        <p:cTn xmlns:p14="http://schemas.microsoft.com/office/powerpoint/2010/main" id="1" dur="indefinite" restart="never" nodeType="tmRoot"/>
+        <p:cTn id="1" dur="indefinite" restart="never" nodeType="tmRoot"/>
       </p:par>
     </p:tnLst>
   </p:timing>
@@ -2636,7 +2636,7 @@
             <a:fld id="{8EFE4526-72DD-554E-BE42-3F8475F39270}" type="slidenum">
               <a:rPr lang="es-ES_tradnl" smtClean="0"/>
               <a:pPr/>
-              <a:t>‹Nr.›</a:t>
+              <a:t>‹Nº›</a:t>
             </a:fld>
             <a:endParaRPr lang="es-ES_tradnl"/>
           </a:p>
@@ -2650,7 +2650,7 @@
   <p:timing>
     <p:tnLst>
       <p:par>
-        <p:cTn xmlns:p14="http://schemas.microsoft.com/office/powerpoint/2010/main" id="1" dur="indefinite" restart="never" nodeType="tmRoot"/>
+        <p:cTn id="1" dur="indefinite" restart="never" nodeType="tmRoot"/>
       </p:par>
     </p:tnLst>
   </p:timing>
@@ -2917,7 +2917,7 @@
             <a:fld id="{E5BD89C7-577C-C243-A798-A990767C989A}" type="slidenum">
               <a:rPr lang="es-ES_tradnl" smtClean="0"/>
               <a:pPr/>
-              <a:t>‹Nr.›</a:t>
+              <a:t>‹Nº›</a:t>
             </a:fld>
             <a:endParaRPr lang="es-ES_tradnl"/>
           </a:p>
@@ -2931,7 +2931,7 @@
   <p:timing>
     <p:tnLst>
       <p:par>
-        <p:cTn xmlns:p14="http://schemas.microsoft.com/office/powerpoint/2010/main" id="1" dur="indefinite" restart="never" nodeType="tmRoot"/>
+        <p:cTn id="1" dur="indefinite" restart="never" nodeType="tmRoot"/>
       </p:par>
     </p:tnLst>
   </p:timing>
@@ -3436,7 +3436,7 @@
             <a:fld id="{152A70A4-5028-974C-B8EC-04EA72599D3B}" type="slidenum">
               <a:rPr lang="es-ES_tradnl" smtClean="0"/>
               <a:pPr/>
-              <a:t>‹Nr.›</a:t>
+              <a:t>‹Nº›</a:t>
             </a:fld>
             <a:endParaRPr lang="es-ES_tradnl"/>
           </a:p>
@@ -3484,7 +3484,7 @@
   <p:timing>
     <p:tnLst>
       <p:par>
-        <p:cTn xmlns:p14="http://schemas.microsoft.com/office/powerpoint/2010/main" id="1" dur="indefinite" restart="never" nodeType="tmRoot"/>
+        <p:cTn id="1" dur="indefinite" restart="never" nodeType="tmRoot"/>
       </p:par>
     </p:tnLst>
   </p:timing>
@@ -3991,7 +3991,7 @@
             <a:fld id="{7F70F6D7-5850-4C43-85D5-1D7D20C50C5C}" type="slidenum">
               <a:rPr lang="es-ES_tradnl" smtClean="0"/>
               <a:pPr/>
-              <a:t>‹Nr.›</a:t>
+              <a:t>‹Nº›</a:t>
             </a:fld>
             <a:endParaRPr lang="es-ES_tradnl"/>
           </a:p>
@@ -4016,7 +4016,7 @@
   <p:timing>
     <p:tnLst>
       <p:par>
-        <p:cTn xmlns:p14="http://schemas.microsoft.com/office/powerpoint/2010/main" id="1" dur="indefinite" restart="never" nodeType="tmRoot"/>
+        <p:cTn id="1" dur="indefinite" restart="never" nodeType="tmRoot"/>
       </p:par>
     </p:tnLst>
   </p:timing>
@@ -4515,14 +4515,14 @@
           </a:ln>
           <a:effectLst/>
           <a:extLst>
-            <a:ext uri="{909E8E84-426E-40dd-AFC4-6F175D3DCCD1}">
+            <a:ext uri="{909E8E84-426E-40DD-AFC4-6F175D3DCCD1}">
               <a14:hiddenFill xmlns:a14="http://schemas.microsoft.com/office/drawing/2010/main">
                 <a:solidFill>
                   <a:schemeClr val="accent1"/>
                 </a:solidFill>
               </a14:hiddenFill>
             </a:ext>
-            <a:ext uri="{91240B29-F687-4f45-9708-019B960494DF}">
+            <a:ext uri="{91240B29-F687-4F45-9708-019B960494DF}">
               <a14:hiddenLine xmlns:a14="http://schemas.microsoft.com/office/drawing/2010/main" w="9525">
                 <a:solidFill>
                   <a:schemeClr val="tx1"/>
@@ -4532,7 +4532,7 @@
                 <a:tailEnd/>
               </a14:hiddenLine>
             </a:ext>
-            <a:ext uri="{AF507438-7753-43e0-B8FC-AC1667EBCBE1}">
+            <a:ext uri="{AF507438-7753-43E0-B8FC-AC1667EBCBE1}">
               <a14:hiddenEffects xmlns:a14="http://schemas.microsoft.com/office/drawing/2010/main">
                 <a:effectLst>
                   <a:outerShdw blurRad="63500" dist="38099" dir="2700000" algn="ctr" rotWithShape="0">
@@ -4589,7 +4589,7 @@
           </a:ln>
           <a:effectLst/>
           <a:extLst>
-            <a:ext uri="{AF507438-7753-43e0-B8FC-AC1667EBCBE1}">
+            <a:ext uri="{AF507438-7753-43E0-B8FC-AC1667EBCBE1}">
               <a14:hiddenEffects xmlns:a14="http://schemas.microsoft.com/office/drawing/2010/main">
                 <a:effectLst>
                   <a:outerShdw blurRad="63500" dist="38099" dir="2700000" algn="ctr" rotWithShape="0">
@@ -4803,7 +4803,7 @@
           </a:ln>
           <a:effectLst/>
           <a:extLst>
-            <a:ext uri="{91240B29-F687-4f45-9708-019B960494DF}">
+            <a:ext uri="{91240B29-F687-4F45-9708-019B960494DF}">
               <a14:hiddenLine xmlns:a14="http://schemas.microsoft.com/office/drawing/2010/main" w="9525">
                 <a:solidFill>
                   <a:srgbClr val="000080"/>
@@ -4813,7 +4813,7 @@
                 <a:tailEnd/>
               </a14:hiddenLine>
             </a:ext>
-            <a:ext uri="{AF507438-7753-43e0-B8FC-AC1667EBCBE1}">
+            <a:ext uri="{AF507438-7753-43E0-B8FC-AC1667EBCBE1}">
               <a14:hiddenEffects xmlns:a14="http://schemas.microsoft.com/office/drawing/2010/main">
                 <a:effectLst>
                   <a:outerShdw blurRad="63500" dist="38099" dir="2700000" algn="ctr" rotWithShape="0">
@@ -5032,7 +5032,7 @@
           </a:ln>
           <a:effectLst/>
           <a:extLst>
-            <a:ext uri="{91240B29-F687-4f45-9708-019B960494DF}">
+            <a:ext uri="{91240B29-F687-4F45-9708-019B960494DF}">
               <a14:hiddenLine xmlns:a14="http://schemas.microsoft.com/office/drawing/2010/main" w="9525">
                 <a:solidFill>
                   <a:srgbClr val="000080"/>
@@ -5042,7 +5042,7 @@
                 <a:tailEnd/>
               </a14:hiddenLine>
             </a:ext>
-            <a:ext uri="{AF507438-7753-43e0-B8FC-AC1667EBCBE1}">
+            <a:ext uri="{AF507438-7753-43E0-B8FC-AC1667EBCBE1}">
               <a14:hiddenEffects xmlns:a14="http://schemas.microsoft.com/office/drawing/2010/main">
                 <a:effectLst>
                   <a:outerShdw blurRad="63500" dist="38099" dir="2700000" algn="ctr" rotWithShape="0">
@@ -5385,14 +5385,14 @@
           </a:ln>
           <a:effectLst/>
           <a:extLst>
-            <a:ext uri="{909E8E84-426E-40dd-AFC4-6F175D3DCCD1}">
+            <a:ext uri="{909E8E84-426E-40DD-AFC4-6F175D3DCCD1}">
               <a14:hiddenFill xmlns:a14="http://schemas.microsoft.com/office/drawing/2010/main">
                 <a:solidFill>
                   <a:schemeClr val="accent1"/>
                 </a:solidFill>
               </a14:hiddenFill>
             </a:ext>
-            <a:ext uri="{91240B29-F687-4f45-9708-019B960494DF}">
+            <a:ext uri="{91240B29-F687-4F45-9708-019B960494DF}">
               <a14:hiddenLine xmlns:a14="http://schemas.microsoft.com/office/drawing/2010/main" w="9525">
                 <a:solidFill>
                   <a:schemeClr val="tx1"/>
@@ -5402,7 +5402,7 @@
                 <a:tailEnd/>
               </a14:hiddenLine>
             </a:ext>
-            <a:ext uri="{AF507438-7753-43e0-B8FC-AC1667EBCBE1}">
+            <a:ext uri="{AF507438-7753-43E0-B8FC-AC1667EBCBE1}">
               <a14:hiddenEffects xmlns:a14="http://schemas.microsoft.com/office/drawing/2010/main">
                 <a:effectLst>
                   <a:outerShdw blurRad="63500" dist="38099" dir="2700000" algn="ctr" rotWithShape="0">
@@ -5555,7 +5555,7 @@
           </a:ln>
           <a:effectLst/>
           <a:extLst>
-            <a:ext uri="{91240B29-F687-4f45-9708-019B960494DF}">
+            <a:ext uri="{91240B29-F687-4F45-9708-019B960494DF}">
               <a14:hiddenLine xmlns:a14="http://schemas.microsoft.com/office/drawing/2010/main" w="9525">
                 <a:solidFill>
                   <a:srgbClr val="000080"/>
@@ -5565,7 +5565,7 @@
                 <a:tailEnd/>
               </a14:hiddenLine>
             </a:ext>
-            <a:ext uri="{AF507438-7753-43e0-B8FC-AC1667EBCBE1}">
+            <a:ext uri="{AF507438-7753-43E0-B8FC-AC1667EBCBE1}">
               <a14:hiddenEffects xmlns:a14="http://schemas.microsoft.com/office/drawing/2010/main">
                 <a:effectLst>
                   <a:outerShdw blurRad="63500" dist="38099" dir="2700000" algn="ctr" rotWithShape="0">
@@ -5888,14 +5888,14 @@
           </a:ln>
           <a:effectLst/>
           <a:extLst>
-            <a:ext uri="{909E8E84-426E-40dd-AFC4-6F175D3DCCD1}">
+            <a:ext uri="{909E8E84-426E-40DD-AFC4-6F175D3DCCD1}">
               <a14:hiddenFill xmlns:a14="http://schemas.microsoft.com/office/drawing/2010/main">
                 <a:solidFill>
                   <a:schemeClr val="accent1"/>
                 </a:solidFill>
               </a14:hiddenFill>
             </a:ext>
-            <a:ext uri="{91240B29-F687-4f45-9708-019B960494DF}">
+            <a:ext uri="{91240B29-F687-4F45-9708-019B960494DF}">
               <a14:hiddenLine xmlns:a14="http://schemas.microsoft.com/office/drawing/2010/main" w="9525">
                 <a:solidFill>
                   <a:schemeClr val="accent2"/>
@@ -5905,7 +5905,7 @@
                 <a:tailEnd/>
               </a14:hiddenLine>
             </a:ext>
-            <a:ext uri="{AF507438-7753-43e0-B8FC-AC1667EBCBE1}">
+            <a:ext uri="{AF507438-7753-43E0-B8FC-AC1667EBCBE1}">
               <a14:hiddenEffects xmlns:a14="http://schemas.microsoft.com/office/drawing/2010/main">
                 <a:effectLst>
                   <a:outerShdw blurRad="63500" dist="38099" dir="2700000" algn="ctr" rotWithShape="0">
@@ -6250,7 +6250,7 @@
           </a:ln>
           <a:effectLst/>
           <a:extLst>
-            <a:ext uri="{91240B29-F687-4f45-9708-019B960494DF}">
+            <a:ext uri="{91240B29-F687-4F45-9708-019B960494DF}">
               <a14:hiddenLine xmlns:a14="http://schemas.microsoft.com/office/drawing/2010/main" w="9525">
                 <a:solidFill>
                   <a:srgbClr val="000080"/>
@@ -6260,7 +6260,7 @@
                 <a:tailEnd/>
               </a14:hiddenLine>
             </a:ext>
-            <a:ext uri="{AF507438-7753-43e0-B8FC-AC1667EBCBE1}">
+            <a:ext uri="{AF507438-7753-43E0-B8FC-AC1667EBCBE1}">
               <a14:hiddenEffects xmlns:a14="http://schemas.microsoft.com/office/drawing/2010/main">
                 <a:effectLst>
                   <a:outerShdw blurRad="63500" dist="38099" dir="2700000" algn="ctr" rotWithShape="0">
@@ -6575,14 +6575,14 @@
           </a:ln>
           <a:effectLst/>
           <a:extLst>
-            <a:ext uri="{909E8E84-426E-40dd-AFC4-6F175D3DCCD1}">
+            <a:ext uri="{909E8E84-426E-40DD-AFC4-6F175D3DCCD1}">
               <a14:hiddenFill xmlns:a14="http://schemas.microsoft.com/office/drawing/2010/main">
                 <a:solidFill>
                   <a:schemeClr val="bg1"/>
                 </a:solidFill>
               </a14:hiddenFill>
             </a:ext>
-            <a:ext uri="{91240B29-F687-4f45-9708-019B960494DF}">
+            <a:ext uri="{91240B29-F687-4F45-9708-019B960494DF}">
               <a14:hiddenLine xmlns:a14="http://schemas.microsoft.com/office/drawing/2010/main" w="9525">
                 <a:solidFill>
                   <a:srgbClr val="000080"/>
@@ -6592,7 +6592,7 @@
                 <a:tailEnd/>
               </a14:hiddenLine>
             </a:ext>
-            <a:ext uri="{AF507438-7753-43e0-B8FC-AC1667EBCBE1}">
+            <a:ext uri="{AF507438-7753-43E0-B8FC-AC1667EBCBE1}">
               <a14:hiddenEffects xmlns:a14="http://schemas.microsoft.com/office/drawing/2010/main">
                 <a:effectLst>
                   <a:outerShdw blurRad="63500" dist="38099" dir="2700000" algn="ctr" rotWithShape="0">
@@ -6892,7 +6892,7 @@
           </a:ln>
           <a:effectLst/>
           <a:extLst>
-            <a:ext uri="{91240B29-F687-4f45-9708-019B960494DF}">
+            <a:ext uri="{91240B29-F687-4F45-9708-019B960494DF}">
               <a14:hiddenLine xmlns:a14="http://schemas.microsoft.com/office/drawing/2010/main" w="9525">
                 <a:solidFill>
                   <a:srgbClr val="000080"/>
@@ -6902,7 +6902,7 @@
                 <a:tailEnd/>
               </a14:hiddenLine>
             </a:ext>
-            <a:ext uri="{AF507438-7753-43e0-B8FC-AC1667EBCBE1}">
+            <a:ext uri="{AF507438-7753-43E0-B8FC-AC1667EBCBE1}">
               <a14:hiddenEffects xmlns:a14="http://schemas.microsoft.com/office/drawing/2010/main">
                 <a:effectLst>
                   <a:outerShdw blurRad="63500" dist="38099" dir="2700000" algn="ctr" rotWithShape="0">
@@ -7147,7 +7147,7 @@
           </a:prstGeom>
           <a:noFill/>
           <a:extLst>
-            <a:ext uri="{909E8E84-426E-40dd-AFC4-6F175D3DCCD1}">
+            <a:ext uri="{909E8E84-426E-40DD-AFC4-6F175D3DCCD1}">
               <a14:hiddenFill xmlns:a14="http://schemas.microsoft.com/office/drawing/2010/main">
                 <a:solidFill>
                   <a:srgbClr val="FFFFFF"/>
@@ -11739,7 +11739,7 @@
           </a:ln>
           <a:effectLst/>
           <a:extLst>
-            <a:ext uri="{909E8E84-426E-40dd-AFC4-6F175D3DCCD1}">
+            <a:ext uri="{909E8E84-426E-40DD-AFC4-6F175D3DCCD1}">
               <a14:hiddenFill xmlns:a14="http://schemas.microsoft.com/office/drawing/2010/main">
                 <a:blipFill dpi="0" rotWithShape="0">
                   <a:blip/>
@@ -11750,7 +11750,7 @@
                 </a:blipFill>
               </a14:hiddenFill>
             </a:ext>
-            <a:ext uri="{91240B29-F687-4f45-9708-019B960494DF}">
+            <a:ext uri="{91240B29-F687-4F45-9708-019B960494DF}">
               <a14:hiddenLine xmlns:a14="http://schemas.microsoft.com/office/drawing/2010/main" w="9525">
                 <a:solidFill>
                   <a:srgbClr val="000000"/>
@@ -11760,7 +11760,7 @@
                 <a:tailEnd/>
               </a14:hiddenLine>
             </a:ext>
-            <a:ext uri="{AF507438-7753-43e0-B8FC-AC1667EBCBE1}">
+            <a:ext uri="{AF507438-7753-43E0-B8FC-AC1667EBCBE1}">
               <a14:hiddenEffects xmlns:a14="http://schemas.microsoft.com/office/drawing/2010/main">
                 <a:effectLst>
                   <a:outerShdw blurRad="63500" dist="38099" dir="2700000" algn="ctr" rotWithShape="0">
@@ -11809,14 +11809,14 @@
           </a:ln>
           <a:effectLst/>
           <a:extLst>
-            <a:ext uri="{909E8E84-426E-40dd-AFC4-6F175D3DCCD1}">
+            <a:ext uri="{909E8E84-426E-40DD-AFC4-6F175D3DCCD1}">
               <a14:hiddenFill xmlns:a14="http://schemas.microsoft.com/office/drawing/2010/main">
                 <a:solidFill>
                   <a:schemeClr val="accent1"/>
                 </a:solidFill>
               </a14:hiddenFill>
             </a:ext>
-            <a:ext uri="{91240B29-F687-4f45-9708-019B960494DF}">
+            <a:ext uri="{91240B29-F687-4F45-9708-019B960494DF}">
               <a14:hiddenLine xmlns:a14="http://schemas.microsoft.com/office/drawing/2010/main" w="9525">
                 <a:solidFill>
                   <a:schemeClr val="tx1"/>
@@ -11826,7 +11826,7 @@
                 <a:tailEnd/>
               </a14:hiddenLine>
             </a:ext>
-            <a:ext uri="{AF507438-7753-43e0-B8FC-AC1667EBCBE1}">
+            <a:ext uri="{AF507438-7753-43E0-B8FC-AC1667EBCBE1}">
               <a14:hiddenEffects xmlns:a14="http://schemas.microsoft.com/office/drawing/2010/main">
                 <a:effectLst>
                   <a:outerShdw blurRad="63500" dist="38099" dir="2700000" algn="ctr" rotWithShape="0">
@@ -11875,14 +11875,14 @@
           </a:ln>
           <a:effectLst/>
           <a:extLst>
-            <a:ext uri="{909E8E84-426E-40dd-AFC4-6F175D3DCCD1}">
+            <a:ext uri="{909E8E84-426E-40DD-AFC4-6F175D3DCCD1}">
               <a14:hiddenFill xmlns:a14="http://schemas.microsoft.com/office/drawing/2010/main">
                 <a:solidFill>
                   <a:schemeClr val="accent1"/>
                 </a:solidFill>
               </a14:hiddenFill>
             </a:ext>
-            <a:ext uri="{91240B29-F687-4f45-9708-019B960494DF}">
+            <a:ext uri="{91240B29-F687-4F45-9708-019B960494DF}">
               <a14:hiddenLine xmlns:a14="http://schemas.microsoft.com/office/drawing/2010/main" w="9525">
                 <a:solidFill>
                   <a:schemeClr val="tx1"/>
@@ -11892,7 +11892,7 @@
                 <a:tailEnd/>
               </a14:hiddenLine>
             </a:ext>
-            <a:ext uri="{AF507438-7753-43e0-B8FC-AC1667EBCBE1}">
+            <a:ext uri="{AF507438-7753-43E0-B8FC-AC1667EBCBE1}">
               <a14:hiddenEffects xmlns:a14="http://schemas.microsoft.com/office/drawing/2010/main">
                 <a:effectLst>
                   <a:outerShdw blurRad="63500" dist="38099" dir="2700000" algn="ctr" rotWithShape="0">
@@ -11941,14 +11941,14 @@
           </a:ln>
           <a:effectLst/>
           <a:extLst>
-            <a:ext uri="{909E8E84-426E-40dd-AFC4-6F175D3DCCD1}">
+            <a:ext uri="{909E8E84-426E-40DD-AFC4-6F175D3DCCD1}">
               <a14:hiddenFill xmlns:a14="http://schemas.microsoft.com/office/drawing/2010/main">
                 <a:solidFill>
                   <a:schemeClr val="accent1"/>
                 </a:solidFill>
               </a14:hiddenFill>
             </a:ext>
-            <a:ext uri="{91240B29-F687-4f45-9708-019B960494DF}">
+            <a:ext uri="{91240B29-F687-4F45-9708-019B960494DF}">
               <a14:hiddenLine xmlns:a14="http://schemas.microsoft.com/office/drawing/2010/main" w="9525">
                 <a:solidFill>
                   <a:schemeClr val="tx1"/>
@@ -11958,7 +11958,7 @@
                 <a:tailEnd/>
               </a14:hiddenLine>
             </a:ext>
-            <a:ext uri="{AF507438-7753-43e0-B8FC-AC1667EBCBE1}">
+            <a:ext uri="{AF507438-7753-43E0-B8FC-AC1667EBCBE1}">
               <a14:hiddenEffects xmlns:a14="http://schemas.microsoft.com/office/drawing/2010/main">
                 <a:effectLst>
                   <a:outerShdw blurRad="63500" dist="38099" dir="2700000" algn="ctr" rotWithShape="0">
@@ -12007,14 +12007,14 @@
           </a:ln>
           <a:effectLst/>
           <a:extLst>
-            <a:ext uri="{909E8E84-426E-40dd-AFC4-6F175D3DCCD1}">
+            <a:ext uri="{909E8E84-426E-40DD-AFC4-6F175D3DCCD1}">
               <a14:hiddenFill xmlns:a14="http://schemas.microsoft.com/office/drawing/2010/main">
                 <a:solidFill>
                   <a:schemeClr val="accent1"/>
                 </a:solidFill>
               </a14:hiddenFill>
             </a:ext>
-            <a:ext uri="{91240B29-F687-4f45-9708-019B960494DF}">
+            <a:ext uri="{91240B29-F687-4F45-9708-019B960494DF}">
               <a14:hiddenLine xmlns:a14="http://schemas.microsoft.com/office/drawing/2010/main" w="9525">
                 <a:solidFill>
                   <a:schemeClr val="tx1"/>
@@ -12024,7 +12024,7 @@
                 <a:tailEnd/>
               </a14:hiddenLine>
             </a:ext>
-            <a:ext uri="{AF507438-7753-43e0-B8FC-AC1667EBCBE1}">
+            <a:ext uri="{AF507438-7753-43E0-B8FC-AC1667EBCBE1}">
               <a14:hiddenEffects xmlns:a14="http://schemas.microsoft.com/office/drawing/2010/main">
                 <a:effectLst>
                   <a:outerShdw blurRad="63500" dist="38099" dir="2700000" algn="ctr" rotWithShape="0">
@@ -12073,14 +12073,14 @@
           </a:ln>
           <a:effectLst/>
           <a:extLst>
-            <a:ext uri="{909E8E84-426E-40dd-AFC4-6F175D3DCCD1}">
+            <a:ext uri="{909E8E84-426E-40DD-AFC4-6F175D3DCCD1}">
               <a14:hiddenFill xmlns:a14="http://schemas.microsoft.com/office/drawing/2010/main">
                 <a:solidFill>
                   <a:schemeClr val="accent1"/>
                 </a:solidFill>
               </a14:hiddenFill>
             </a:ext>
-            <a:ext uri="{91240B29-F687-4f45-9708-019B960494DF}">
+            <a:ext uri="{91240B29-F687-4F45-9708-019B960494DF}">
               <a14:hiddenLine xmlns:a14="http://schemas.microsoft.com/office/drawing/2010/main" w="9525">
                 <a:solidFill>
                   <a:schemeClr val="tx1"/>
@@ -12090,7 +12090,7 @@
                 <a:tailEnd/>
               </a14:hiddenLine>
             </a:ext>
-            <a:ext uri="{AF507438-7753-43e0-B8FC-AC1667EBCBE1}">
+            <a:ext uri="{AF507438-7753-43E0-B8FC-AC1667EBCBE1}">
               <a14:hiddenEffects xmlns:a14="http://schemas.microsoft.com/office/drawing/2010/main">
                 <a:effectLst>
                   <a:outerShdw blurRad="63500" dist="38099" dir="2700000" algn="ctr" rotWithShape="0">
@@ -12135,7 +12135,7 @@
           </a:prstGeom>
           <a:noFill/>
           <a:extLst>
-            <a:ext uri="{909E8E84-426E-40dd-AFC4-6F175D3DCCD1}">
+            <a:ext uri="{909E8E84-426E-40DD-AFC4-6F175D3DCCD1}">
               <a14:hiddenFill xmlns:a14="http://schemas.microsoft.com/office/drawing/2010/main">
                 <a:solidFill>
                   <a:srgbClr val="FFFFFF"/>
@@ -12180,14 +12180,14 @@
           </a:ln>
           <a:effectLst/>
           <a:extLst>
-            <a:ext uri="{909E8E84-426E-40dd-AFC4-6F175D3DCCD1}">
+            <a:ext uri="{909E8E84-426E-40DD-AFC4-6F175D3DCCD1}">
               <a14:hiddenFill xmlns:a14="http://schemas.microsoft.com/office/drawing/2010/main">
                 <a:solidFill>
                   <a:schemeClr val="accent1"/>
                 </a:solidFill>
               </a14:hiddenFill>
             </a:ext>
-            <a:ext uri="{91240B29-F687-4f45-9708-019B960494DF}">
+            <a:ext uri="{91240B29-F687-4F45-9708-019B960494DF}">
               <a14:hiddenLine xmlns:a14="http://schemas.microsoft.com/office/drawing/2010/main" w="9525">
                 <a:solidFill>
                   <a:schemeClr val="tx1"/>
@@ -12197,7 +12197,7 @@
                 <a:tailEnd/>
               </a14:hiddenLine>
             </a:ext>
-            <a:ext uri="{AF507438-7753-43e0-B8FC-AC1667EBCBE1}">
+            <a:ext uri="{AF507438-7753-43E0-B8FC-AC1667EBCBE1}">
               <a14:hiddenEffects xmlns:a14="http://schemas.microsoft.com/office/drawing/2010/main">
                 <a:effectLst>
                   <a:outerShdw blurRad="63500" dist="38099" dir="2700000" algn="ctr" rotWithShape="0">
@@ -12246,14 +12246,14 @@
           </a:ln>
           <a:effectLst/>
           <a:extLst>
-            <a:ext uri="{909E8E84-426E-40dd-AFC4-6F175D3DCCD1}">
+            <a:ext uri="{909E8E84-426E-40DD-AFC4-6F175D3DCCD1}">
               <a14:hiddenFill xmlns:a14="http://schemas.microsoft.com/office/drawing/2010/main">
                 <a:solidFill>
                   <a:schemeClr val="accent1"/>
                 </a:solidFill>
               </a14:hiddenFill>
             </a:ext>
-            <a:ext uri="{91240B29-F687-4f45-9708-019B960494DF}">
+            <a:ext uri="{91240B29-F687-4F45-9708-019B960494DF}">
               <a14:hiddenLine xmlns:a14="http://schemas.microsoft.com/office/drawing/2010/main" w="9525">
                 <a:solidFill>
                   <a:schemeClr val="tx1"/>
@@ -12263,7 +12263,7 @@
                 <a:tailEnd/>
               </a14:hiddenLine>
             </a:ext>
-            <a:ext uri="{AF507438-7753-43e0-B8FC-AC1667EBCBE1}">
+            <a:ext uri="{AF507438-7753-43E0-B8FC-AC1667EBCBE1}">
               <a14:hiddenEffects xmlns:a14="http://schemas.microsoft.com/office/drawing/2010/main">
                 <a:effectLst>
                   <a:outerShdw blurRad="63500" dist="38099" dir="2700000" algn="ctr" rotWithShape="0">
@@ -12312,14 +12312,14 @@
           </a:ln>
           <a:effectLst/>
           <a:extLst>
-            <a:ext uri="{909E8E84-426E-40dd-AFC4-6F175D3DCCD1}">
+            <a:ext uri="{909E8E84-426E-40DD-AFC4-6F175D3DCCD1}">
               <a14:hiddenFill xmlns:a14="http://schemas.microsoft.com/office/drawing/2010/main">
                 <a:solidFill>
                   <a:schemeClr val="accent1"/>
                 </a:solidFill>
               </a14:hiddenFill>
             </a:ext>
-            <a:ext uri="{91240B29-F687-4f45-9708-019B960494DF}">
+            <a:ext uri="{91240B29-F687-4F45-9708-019B960494DF}">
               <a14:hiddenLine xmlns:a14="http://schemas.microsoft.com/office/drawing/2010/main" w="9525">
                 <a:solidFill>
                   <a:schemeClr val="tx1"/>
@@ -12329,7 +12329,7 @@
                 <a:tailEnd/>
               </a14:hiddenLine>
             </a:ext>
-            <a:ext uri="{AF507438-7753-43e0-B8FC-AC1667EBCBE1}">
+            <a:ext uri="{AF507438-7753-43E0-B8FC-AC1667EBCBE1}">
               <a14:hiddenEffects xmlns:a14="http://schemas.microsoft.com/office/drawing/2010/main">
                 <a:effectLst>
                   <a:outerShdw blurRad="63500" dist="38099" dir="2700000" algn="ctr" rotWithShape="0">
@@ -12378,14 +12378,14 @@
           </a:ln>
           <a:effectLst/>
           <a:extLst>
-            <a:ext uri="{909E8E84-426E-40dd-AFC4-6F175D3DCCD1}">
+            <a:ext uri="{909E8E84-426E-40DD-AFC4-6F175D3DCCD1}">
               <a14:hiddenFill xmlns:a14="http://schemas.microsoft.com/office/drawing/2010/main">
                 <a:solidFill>
                   <a:schemeClr val="accent1"/>
                 </a:solidFill>
               </a14:hiddenFill>
             </a:ext>
-            <a:ext uri="{91240B29-F687-4f45-9708-019B960494DF}">
+            <a:ext uri="{91240B29-F687-4F45-9708-019B960494DF}">
               <a14:hiddenLine xmlns:a14="http://schemas.microsoft.com/office/drawing/2010/main" w="9525">
                 <a:solidFill>
                   <a:schemeClr val="tx1"/>
@@ -12395,7 +12395,7 @@
                 <a:tailEnd/>
               </a14:hiddenLine>
             </a:ext>
-            <a:ext uri="{AF507438-7753-43e0-B8FC-AC1667EBCBE1}">
+            <a:ext uri="{AF507438-7753-43E0-B8FC-AC1667EBCBE1}">
               <a14:hiddenEffects xmlns:a14="http://schemas.microsoft.com/office/drawing/2010/main">
                 <a:effectLst>
                   <a:outerShdw blurRad="63500" dist="38099" dir="2700000" algn="ctr" rotWithShape="0">
@@ -12444,14 +12444,14 @@
           </a:ln>
           <a:effectLst/>
           <a:extLst>
-            <a:ext uri="{909E8E84-426E-40dd-AFC4-6F175D3DCCD1}">
+            <a:ext uri="{909E8E84-426E-40DD-AFC4-6F175D3DCCD1}">
               <a14:hiddenFill xmlns:a14="http://schemas.microsoft.com/office/drawing/2010/main">
                 <a:solidFill>
                   <a:schemeClr val="accent1"/>
                 </a:solidFill>
               </a14:hiddenFill>
             </a:ext>
-            <a:ext uri="{91240B29-F687-4f45-9708-019B960494DF}">
+            <a:ext uri="{91240B29-F687-4F45-9708-019B960494DF}">
               <a14:hiddenLine xmlns:a14="http://schemas.microsoft.com/office/drawing/2010/main" w="9525">
                 <a:solidFill>
                   <a:schemeClr val="tx1"/>
@@ -12461,7 +12461,7 @@
                 <a:tailEnd/>
               </a14:hiddenLine>
             </a:ext>
-            <a:ext uri="{AF507438-7753-43e0-B8FC-AC1667EBCBE1}">
+            <a:ext uri="{AF507438-7753-43E0-B8FC-AC1667EBCBE1}">
               <a14:hiddenEffects xmlns:a14="http://schemas.microsoft.com/office/drawing/2010/main">
                 <a:effectLst>
                   <a:outerShdw blurRad="63500" dist="38099" dir="2700000" algn="ctr" rotWithShape="0">
@@ -12499,7 +12499,7 @@
           </a:ln>
           <a:effectLst/>
           <a:extLst>
-            <a:ext uri="{91240B29-F687-4f45-9708-019B960494DF}">
+            <a:ext uri="{91240B29-F687-4F45-9708-019B960494DF}">
               <a14:hiddenLine xmlns:a14="http://schemas.microsoft.com/office/drawing/2010/main" w="9525">
                 <a:solidFill>
                   <a:srgbClr val="000080"/>
@@ -12509,7 +12509,7 @@
                 <a:tailEnd/>
               </a14:hiddenLine>
             </a:ext>
-            <a:ext uri="{AF507438-7753-43e0-B8FC-AC1667EBCBE1}">
+            <a:ext uri="{AF507438-7753-43E0-B8FC-AC1667EBCBE1}">
               <a14:hiddenEffects xmlns:a14="http://schemas.microsoft.com/office/drawing/2010/main">
                 <a:effectLst>
                   <a:outerShdw blurRad="63500" dist="38099" dir="2700000" algn="ctr" rotWithShape="0">
@@ -12720,7 +12720,7 @@
           </a:ln>
           <a:effectLst/>
           <a:extLst>
-            <a:ext uri="{91240B29-F687-4f45-9708-019B960494DF}">
+            <a:ext uri="{91240B29-F687-4F45-9708-019B960494DF}">
               <a14:hiddenLine xmlns:a14="http://schemas.microsoft.com/office/drawing/2010/main" w="9525">
                 <a:solidFill>
                   <a:srgbClr val="000080"/>
@@ -12730,7 +12730,7 @@
                 <a:tailEnd/>
               </a14:hiddenLine>
             </a:ext>
-            <a:ext uri="{AF507438-7753-43e0-B8FC-AC1667EBCBE1}">
+            <a:ext uri="{AF507438-7753-43E0-B8FC-AC1667EBCBE1}">
               <a14:hiddenEffects xmlns:a14="http://schemas.microsoft.com/office/drawing/2010/main">
                 <a:effectLst>
                   <a:outerShdw blurRad="63500" dist="38099" dir="2700000" algn="ctr" rotWithShape="0">
@@ -13093,7 +13093,7 @@
           </a:ln>
           <a:effectLst/>
           <a:extLst>
-            <a:ext uri="{AF507438-7753-43e0-B8FC-AC1667EBCBE1}">
+            <a:ext uri="{AF507438-7753-43E0-B8FC-AC1667EBCBE1}">
               <a14:hiddenEffects xmlns:a14="http://schemas.microsoft.com/office/drawing/2010/main">
                 <a:effectLst>
                   <a:outerShdw blurRad="63500" dist="38099" dir="2700000" algn="ctr" rotWithShape="0">
@@ -13278,7 +13278,7 @@
           </a:ln>
           <a:effectLst/>
           <a:extLst>
-            <a:ext uri="{AF507438-7753-43e0-B8FC-AC1667EBCBE1}">
+            <a:ext uri="{AF507438-7753-43E0-B8FC-AC1667EBCBE1}">
               <a14:hiddenEffects xmlns:a14="http://schemas.microsoft.com/office/drawing/2010/main">
                 <a:effectLst>
                   <a:outerShdw blurRad="63500" dist="38099" dir="2700000" algn="ctr" rotWithShape="0">
@@ -13463,7 +13463,7 @@
           </a:ln>
           <a:effectLst/>
           <a:extLst>
-            <a:ext uri="{AF507438-7753-43e0-B8FC-AC1667EBCBE1}">
+            <a:ext uri="{AF507438-7753-43E0-B8FC-AC1667EBCBE1}">
               <a14:hiddenEffects xmlns:a14="http://schemas.microsoft.com/office/drawing/2010/main">
                 <a:effectLst>
                   <a:outerShdw blurRad="63500" dist="38099" dir="2700000" algn="ctr" rotWithShape="0">
@@ -13648,7 +13648,7 @@
           </a:ln>
           <a:effectLst/>
           <a:extLst>
-            <a:ext uri="{AF507438-7753-43e0-B8FC-AC1667EBCBE1}">
+            <a:ext uri="{AF507438-7753-43E0-B8FC-AC1667EBCBE1}">
               <a14:hiddenEffects xmlns:a14="http://schemas.microsoft.com/office/drawing/2010/main">
                 <a:effectLst>
                   <a:outerShdw blurRad="63500" dist="38099" dir="2700000" algn="ctr" rotWithShape="0">
@@ -13833,7 +13833,7 @@
           </a:ln>
           <a:effectLst/>
           <a:extLst>
-            <a:ext uri="{AF507438-7753-43e0-B8FC-AC1667EBCBE1}">
+            <a:ext uri="{AF507438-7753-43E0-B8FC-AC1667EBCBE1}">
               <a14:hiddenEffects xmlns:a14="http://schemas.microsoft.com/office/drawing/2010/main">
                 <a:effectLst>
                   <a:outerShdw blurRad="63500" dist="38099" dir="2700000" algn="ctr" rotWithShape="0">
@@ -14018,7 +14018,7 @@
           </a:ln>
           <a:effectLst/>
           <a:extLst>
-            <a:ext uri="{AF507438-7753-43e0-B8FC-AC1667EBCBE1}">
+            <a:ext uri="{AF507438-7753-43E0-B8FC-AC1667EBCBE1}">
               <a14:hiddenEffects xmlns:a14="http://schemas.microsoft.com/office/drawing/2010/main">
                 <a:effectLst>
                   <a:outerShdw blurRad="63500" dist="38099" dir="2700000" algn="ctr" rotWithShape="0">
@@ -14203,7 +14203,7 @@
           </a:ln>
           <a:effectLst/>
           <a:extLst>
-            <a:ext uri="{AF507438-7753-43e0-B8FC-AC1667EBCBE1}">
+            <a:ext uri="{AF507438-7753-43E0-B8FC-AC1667EBCBE1}">
               <a14:hiddenEffects xmlns:a14="http://schemas.microsoft.com/office/drawing/2010/main">
                 <a:effectLst>
                   <a:outerShdw blurRad="63500" dist="38099" dir="2700000" algn="ctr" rotWithShape="0">
@@ -14388,7 +14388,7 @@
           </a:ln>
           <a:effectLst/>
           <a:extLst>
-            <a:ext uri="{AF507438-7753-43e0-B8FC-AC1667EBCBE1}">
+            <a:ext uri="{AF507438-7753-43E0-B8FC-AC1667EBCBE1}">
               <a14:hiddenEffects xmlns:a14="http://schemas.microsoft.com/office/drawing/2010/main">
                 <a:effectLst>
                   <a:outerShdw blurRad="63500" dist="38099" dir="2700000" algn="ctr" rotWithShape="0">
@@ -14573,7 +14573,7 @@
           </a:ln>
           <a:effectLst/>
           <a:extLst>
-            <a:ext uri="{AF507438-7753-43e0-B8FC-AC1667EBCBE1}">
+            <a:ext uri="{AF507438-7753-43E0-B8FC-AC1667EBCBE1}">
               <a14:hiddenEffects xmlns:a14="http://schemas.microsoft.com/office/drawing/2010/main">
                 <a:effectLst>
                   <a:outerShdw blurRad="63500" dist="38099" dir="2700000" algn="ctr" rotWithShape="0">
@@ -14739,7 +14739,7 @@
           </a:ln>
           <a:effectLst/>
           <a:extLst>
-            <a:ext uri="{91240B29-F687-4f45-9708-019B960494DF}">
+            <a:ext uri="{91240B29-F687-4F45-9708-019B960494DF}">
               <a14:hiddenLine xmlns:a14="http://schemas.microsoft.com/office/drawing/2010/main" w="9525">
                 <a:solidFill>
                   <a:srgbClr val="000080"/>
@@ -14749,7 +14749,7 @@
                 <a:tailEnd/>
               </a14:hiddenLine>
             </a:ext>
-            <a:ext uri="{AF507438-7753-43e0-B8FC-AC1667EBCBE1}">
+            <a:ext uri="{AF507438-7753-43E0-B8FC-AC1667EBCBE1}">
               <a14:hiddenEffects xmlns:a14="http://schemas.microsoft.com/office/drawing/2010/main">
                 <a:effectLst>
                   <a:outerShdw blurRad="63500" dist="38099" dir="2700000" algn="ctr" rotWithShape="0">
@@ -14950,7 +14950,7 @@
           </a:ln>
           <a:effectLst/>
           <a:extLst>
-            <a:ext uri="{91240B29-F687-4f45-9708-019B960494DF}">
+            <a:ext uri="{91240B29-F687-4F45-9708-019B960494DF}">
               <a14:hiddenLine xmlns:a14="http://schemas.microsoft.com/office/drawing/2010/main" w="9525">
                 <a:solidFill>
                   <a:srgbClr val="000080"/>
@@ -14960,7 +14960,7 @@
                 <a:tailEnd/>
               </a14:hiddenLine>
             </a:ext>
-            <a:ext uri="{AF507438-7753-43e0-B8FC-AC1667EBCBE1}">
+            <a:ext uri="{AF507438-7753-43E0-B8FC-AC1667EBCBE1}">
               <a14:hiddenEffects xmlns:a14="http://schemas.microsoft.com/office/drawing/2010/main">
                 <a:effectLst>
                   <a:outerShdw blurRad="63500" dist="38099" dir="2700000" algn="ctr" rotWithShape="0">
@@ -15121,11 +15121,11 @@
   <p:clrMapOvr>
     <a:masterClrMapping/>
   </p:clrMapOvr>
-  <mc:AlternateContent xmlns:mc="http://schemas.openxmlformats.org/markup-compatibility/2006">
-    <mc:Choice xmlns:p14="http://schemas.microsoft.com/office/powerpoint/2010/main" Requires="p14">
+  <mc:AlternateContent xmlns:mc="http://schemas.openxmlformats.org/markup-compatibility/2006" xmlns:p14="http://schemas.microsoft.com/office/powerpoint/2010/main">
+    <mc:Choice Requires="p14">
       <p:transition spd="slow" p14:dur="2000"/>
     </mc:Choice>
-    <mc:Fallback>
+    <mc:Fallback xmlns="">
       <p:transition xmlns:p14="http://schemas.microsoft.com/office/powerpoint/2010/main" spd="slow"/>
     </mc:Fallback>
   </mc:AlternateContent>
@@ -15223,57 +15223,7 @@
                 <a:latin typeface="Times New Roman"/>
                 <a:cs typeface="Times New Roman"/>
               </a:rPr>
-              <a:t>DESARROLLO DE UNA PLATAFORMA PARA LA SOLICITUD Y GESTI</a:t>
-            </a:r>
-            <a:r>
-              <a:rPr lang="es-ES" sz="5400" b="1" spc="50" dirty="0" smtClean="0">
-                <a:ln w="19050">
-                  <a:solidFill>
-                    <a:schemeClr val="tx2">
-                      <a:tint val="1000"/>
-                    </a:schemeClr>
-                  </a:solidFill>
-                  <a:prstDash val="solid"/>
-                </a:ln>
-                <a:solidFill>
-                  <a:srgbClr val="FFFFFF"/>
-                </a:solidFill>
-                <a:effectLst>
-                  <a:outerShdw blurRad="50800" dist="38100" algn="l" rotWithShape="0">
-                    <a:prstClr val="black">
-                      <a:alpha val="40000"/>
-                    </a:prstClr>
-                  </a:outerShdw>
-                </a:effectLst>
-                <a:latin typeface="Times New Roman"/>
-                <a:cs typeface="Times New Roman"/>
-              </a:rPr>
-              <a:t>Ó</a:t>
-            </a:r>
-            <a:r>
-              <a:rPr lang="es-ES" sz="5400" b="1" spc="50" dirty="0" smtClean="0">
-                <a:ln w="19050">
-                  <a:solidFill>
-                    <a:schemeClr val="tx2">
-                      <a:tint val="1000"/>
-                    </a:schemeClr>
-                  </a:solidFill>
-                  <a:prstDash val="solid"/>
-                </a:ln>
-                <a:solidFill>
-                  <a:srgbClr val="FFFFFF"/>
-                </a:solidFill>
-                <a:effectLst>
-                  <a:outerShdw blurRad="50800" dist="38100" algn="l" rotWithShape="0">
-                    <a:prstClr val="black">
-                      <a:alpha val="40000"/>
-                    </a:prstClr>
-                  </a:outerShdw>
-                </a:effectLst>
-                <a:latin typeface="Times New Roman"/>
-                <a:cs typeface="Times New Roman"/>
-              </a:rPr>
-              <a:t>N DE REQUERIMIENTOS Y SCM</a:t>
+              <a:t>DESARROLLO DE UNA PLATAFORMA PARA LA SOLICITUD Y GESTIÓN DE REQUERIMIENTOS Y SCM</a:t>
             </a:r>
           </a:p>
           <a:p>
@@ -15435,14 +15385,7 @@
                 <a:latin typeface="Times New Roman"/>
                 <a:cs typeface="Times New Roman"/>
               </a:rPr>
-              <a:t>INTRODUCCI</a:t>
-            </a:r>
-            <a:r>
-              <a:rPr lang="es-ES" sz="4000" b="1" dirty="0" smtClean="0">
-                <a:latin typeface="Times New Roman"/>
-                <a:cs typeface="Times New Roman"/>
-              </a:rPr>
-              <a:t>ÓN</a:t>
+              <a:t>INTRODUCCIÓN</a:t>
             </a:r>
             <a:endParaRPr lang="es-ES" sz="4400" b="1" dirty="0">
               <a:latin typeface="Times New Roman"/>
@@ -15544,14 +15487,7 @@
                 <a:latin typeface="Times New Roman"/>
                 <a:cs typeface="Times New Roman"/>
               </a:rPr>
-              <a:t>IMPLEMENTACI</a:t>
-            </a:r>
-            <a:r>
-              <a:rPr lang="es-ES" sz="4000" b="1" dirty="0" smtClean="0">
-                <a:latin typeface="Times New Roman"/>
-                <a:cs typeface="Times New Roman"/>
-              </a:rPr>
-              <a:t>ÓN</a:t>
+              <a:t>IMPLEMENTACIÓN</a:t>
             </a:r>
             <a:endParaRPr lang="es-ES" sz="4400" b="1" dirty="0">
               <a:latin typeface="Times New Roman"/>
@@ -15705,14 +15641,7 @@
                 <a:latin typeface="Times New Roman"/>
                 <a:cs typeface="Times New Roman"/>
               </a:rPr>
-              <a:t>SOLUCI</a:t>
-            </a:r>
-            <a:r>
-              <a:rPr lang="es-ES" sz="4000" b="1" dirty="0" smtClean="0">
-                <a:latin typeface="Times New Roman"/>
-                <a:cs typeface="Times New Roman"/>
-              </a:rPr>
-              <a:t>ÓN PROPUESTA</a:t>
+              <a:t>SOLUCIÓN PROPUESTA</a:t>
             </a:r>
             <a:endParaRPr lang="es-ES" sz="4400" b="1" dirty="0">
               <a:latin typeface="Times New Roman"/>
@@ -15731,11 +15660,11 @@
   <p:clrMapOvr>
     <a:masterClrMapping/>
   </p:clrMapOvr>
-  <mc:AlternateContent xmlns:mc="http://schemas.openxmlformats.org/markup-compatibility/2006">
-    <mc:Choice xmlns:p14="http://schemas.microsoft.com/office/powerpoint/2010/main" Requires="p14">
+  <mc:AlternateContent xmlns:mc="http://schemas.openxmlformats.org/markup-compatibility/2006" xmlns:p14="http://schemas.microsoft.com/office/powerpoint/2010/main">
+    <mc:Choice Requires="p14">
       <p:transition spd="slow" p14:dur="2000"/>
     </mc:Choice>
-    <mc:Fallback>
+    <mc:Fallback xmlns="">
       <p:transition xmlns:p14="http://schemas.microsoft.com/office/powerpoint/2010/main" spd="slow"/>
     </mc:Fallback>
   </mc:AlternateContent>
@@ -15759,6 +15688,93 @@
           <a:chExt cx="0" cy="0"/>
         </a:xfrm>
       </p:grpSpPr>
+      <p:sp>
+        <p:nvSpPr>
+          <p:cNvPr id="17" name="Rectángulo redondeado 20"/>
+          <p:cNvSpPr/>
+          <p:nvPr/>
+        </p:nvSpPr>
+        <p:spPr>
+          <a:xfrm>
+            <a:off x="1008362" y="32397128"/>
+            <a:ext cx="33915768" cy="4104456"/>
+          </a:xfrm>
+          <a:prstGeom prst="roundRect">
+            <a:avLst>
+              <a:gd name="adj" fmla="val 3951"/>
+            </a:avLst>
+          </a:prstGeom>
+          <a:solidFill>
+            <a:schemeClr val="lt1">
+              <a:alpha val="37000"/>
+            </a:schemeClr>
+          </a:solidFill>
+          <a:ln>
+            <a:solidFill>
+              <a:schemeClr val="accent1">
+                <a:shade val="75000"/>
+                <a:satMod val="125000"/>
+                <a:lumMod val="75000"/>
+                <a:alpha val="50000"/>
+              </a:schemeClr>
+            </a:solidFill>
+          </a:ln>
+        </p:spPr>
+        <p:style>
+          <a:lnRef idx="2">
+            <a:schemeClr val="accent1"/>
+          </a:lnRef>
+          <a:fillRef idx="1">
+            <a:schemeClr val="lt1"/>
+          </a:fillRef>
+          <a:effectRef idx="0">
+            <a:schemeClr val="accent1"/>
+          </a:effectRef>
+          <a:fontRef idx="minor">
+            <a:schemeClr val="dk1"/>
+          </a:fontRef>
+        </p:style>
+        <p:txBody>
+          <a:bodyPr lIns="360000" tIns="360000" rIns="360000" bIns="360000" rtlCol="0" anchor="ctr"/>
+          <a:lstStyle/>
+          <a:p>
+            <a:pPr algn="just"/>
+            <a:r>
+              <a:rPr lang="es-ES" sz="3600" dirty="0" smtClean="0">
+                <a:effectLst/>
+                <a:latin typeface="Times New Roman"/>
+                <a:cs typeface="Times New Roman"/>
+              </a:rPr>
+              <a:t>DISICO</a:t>
+            </a:r>
+          </a:p>
+          <a:p>
+            <a:pPr algn="just"/>
+            <a:r>
+              <a:rPr lang="es-ES" sz="3600" dirty="0" smtClean="0">
+                <a:latin typeface="Times New Roman"/>
+                <a:cs typeface="Times New Roman"/>
+              </a:rPr>
+              <a:t>SOLICITUDES</a:t>
+            </a:r>
+          </a:p>
+          <a:p>
+            <a:pPr algn="just"/>
+            <a:r>
+              <a:rPr lang="es-ES" sz="3600" dirty="0" smtClean="0">
+                <a:latin typeface="Times New Roman"/>
+                <a:cs typeface="Times New Roman"/>
+              </a:rPr>
+              <a:t>SCM</a:t>
+            </a:r>
+            <a:endParaRPr lang="es-ES" sz="3600" dirty="0" smtClean="0">
+              <a:effectLst/>
+              <a:latin typeface="Times New Roman"/>
+              <a:cs typeface="Times New Roman"/>
+            </a:endParaRPr>
+          </a:p>
+        </p:txBody>
+      </p:sp>
       <p:pic>
         <p:nvPicPr>
           <p:cNvPr id="15" name="Imagen 14" descr="uv_logo_baja_rgba.png"/>
@@ -15827,7 +15843,7 @@
         </p:nvSpPr>
         <p:spPr>
           <a:xfrm>
-            <a:off x="2520530" y="12785776"/>
+            <a:off x="1080370" y="13045656"/>
             <a:ext cx="10945216" cy="936104"/>
           </a:xfrm>
           <a:prstGeom prst="round2SameRect">
@@ -15881,14 +15897,7 @@
                 <a:latin typeface="Times New Roman"/>
                 <a:cs typeface="Times New Roman"/>
               </a:rPr>
-              <a:t>INTRODUCCI</a:t>
-            </a:r>
-            <a:r>
-              <a:rPr lang="es-ES" sz="4000" b="1" dirty="0" smtClean="0">
-                <a:latin typeface="Times New Roman"/>
-                <a:cs typeface="Times New Roman"/>
-              </a:rPr>
-              <a:t>ÓN</a:t>
+              <a:t>INTRODUCCIÓN</a:t>
             </a:r>
             <a:endParaRPr lang="es-ES" sz="4400" b="1" dirty="0">
               <a:latin typeface="Times New Roman"/>
@@ -15905,8 +15914,8 @@
         </p:nvSpPr>
         <p:spPr>
           <a:xfrm>
-            <a:off x="1080370" y="18618424"/>
-            <a:ext cx="33915768" cy="1008112"/>
+            <a:off x="10873458" y="18618424"/>
+            <a:ext cx="10945216" cy="1008112"/>
           </a:xfrm>
           <a:prstGeom prst="round2SameRect">
             <a:avLst>
@@ -16030,14 +16039,7 @@
                 <a:latin typeface="Times New Roman"/>
                 <a:cs typeface="Times New Roman"/>
               </a:rPr>
-              <a:t>IMPLEMENTACI</a:t>
-            </a:r>
-            <a:r>
-              <a:rPr lang="es-ES" sz="4000" b="1" dirty="0" smtClean="0">
-                <a:latin typeface="Times New Roman"/>
-                <a:cs typeface="Times New Roman"/>
-              </a:rPr>
-              <a:t>ÓN</a:t>
+              <a:t>IMPLEMENTACIÓN</a:t>
             </a:r>
             <a:endParaRPr lang="es-ES" sz="4400" b="1" dirty="0">
               <a:latin typeface="Times New Roman"/>
@@ -16181,14 +16183,328 @@
       </p:sp>
       <p:sp>
         <p:nvSpPr>
-          <p:cNvPr id="23" name="Redondear rectángulo de esquina del mismo lado 22"/>
+          <p:cNvPr id="3" name="Rectángulo 2"/>
           <p:cNvSpPr/>
           <p:nvPr/>
         </p:nvSpPr>
         <p:spPr>
           <a:xfrm>
-            <a:off x="1224386" y="23658984"/>
-            <a:ext cx="33915768" cy="1008112"/>
+            <a:off x="1008362" y="3352728"/>
+            <a:ext cx="34275808" cy="2123658"/>
+          </a:xfrm>
+          <a:prstGeom prst="rect">
+            <a:avLst/>
+          </a:prstGeom>
+        </p:spPr>
+        <p:txBody>
+          <a:bodyPr wrap="square">
+            <a:spAutoFit/>
+          </a:bodyPr>
+          <a:lstStyle/>
+          <a:p>
+            <a:pPr algn="ctr"/>
+            <a:r>
+              <a:rPr lang="es-ES" sz="6600" b="1" dirty="0" smtClean="0">
+                <a:ln w="10541" cmpd="sng">
+                  <a:solidFill>
+                    <a:srgbClr val="7D7D7D">
+                      <a:tint val="100000"/>
+                      <a:shade val="100000"/>
+                      <a:satMod val="110000"/>
+                    </a:srgbClr>
+                  </a:solidFill>
+                  <a:prstDash val="solid"/>
+                </a:ln>
+                <a:solidFill>
+                  <a:srgbClr val="262626"/>
+                </a:solidFill>
+                <a:effectLst>
+                  <a:glow rad="101600">
+                    <a:schemeClr val="accent2">
+                      <a:satMod val="175000"/>
+                      <a:alpha val="40000"/>
+                    </a:schemeClr>
+                  </a:glow>
+                </a:effectLst>
+                <a:latin typeface="Times New Roman"/>
+                <a:cs typeface="Times New Roman"/>
+              </a:rPr>
+              <a:t>DESARROLLO DE UNA PLATAFORMA PARA LA SOLICITUD Y GESTIÓN DE REQUERIMIENTOS Y SCM</a:t>
+            </a:r>
+          </a:p>
+        </p:txBody>
+      </p:sp>
+      <p:sp>
+        <p:nvSpPr>
+          <p:cNvPr id="11" name="Rectángulo redondeado 20"/>
+          <p:cNvSpPr/>
+          <p:nvPr/>
+        </p:nvSpPr>
+        <p:spPr>
+          <a:xfrm>
+            <a:off x="1078164" y="13958599"/>
+            <a:ext cx="33915768" cy="4104456"/>
+          </a:xfrm>
+          <a:prstGeom prst="roundRect">
+            <a:avLst>
+              <a:gd name="adj" fmla="val 3951"/>
+            </a:avLst>
+          </a:prstGeom>
+          <a:solidFill>
+            <a:schemeClr val="lt1">
+              <a:alpha val="37000"/>
+            </a:schemeClr>
+          </a:solidFill>
+          <a:ln>
+            <a:solidFill>
+              <a:schemeClr val="accent1">
+                <a:shade val="75000"/>
+                <a:satMod val="125000"/>
+                <a:lumMod val="75000"/>
+                <a:alpha val="50000"/>
+              </a:schemeClr>
+            </a:solidFill>
+          </a:ln>
+        </p:spPr>
+        <p:style>
+          <a:lnRef idx="2">
+            <a:schemeClr val="accent1"/>
+          </a:lnRef>
+          <a:fillRef idx="1">
+            <a:schemeClr val="lt1"/>
+          </a:fillRef>
+          <a:effectRef idx="0">
+            <a:schemeClr val="accent1"/>
+          </a:effectRef>
+          <a:fontRef idx="minor">
+            <a:schemeClr val="dk1"/>
+          </a:fontRef>
+        </p:style>
+        <p:txBody>
+          <a:bodyPr lIns="360000" tIns="360000" rIns="360000" bIns="360000" rtlCol="0" anchor="ctr"/>
+          <a:lstStyle/>
+          <a:p>
+            <a:pPr algn="just"/>
+            <a:r>
+              <a:rPr lang="es-ES" sz="3600" dirty="0" smtClean="0">
+                <a:effectLst/>
+                <a:latin typeface="Times New Roman"/>
+                <a:cs typeface="Times New Roman"/>
+              </a:rPr>
+              <a:t>DISICO</a:t>
+            </a:r>
+          </a:p>
+          <a:p>
+            <a:pPr algn="just"/>
+            <a:r>
+              <a:rPr lang="es-ES" sz="3600" dirty="0" smtClean="0">
+                <a:latin typeface="Times New Roman"/>
+                <a:cs typeface="Times New Roman"/>
+              </a:rPr>
+              <a:t>SOLICITUDES</a:t>
+            </a:r>
+          </a:p>
+          <a:p>
+            <a:pPr algn="just"/>
+            <a:r>
+              <a:rPr lang="es-ES" sz="3600" dirty="0" smtClean="0">
+                <a:latin typeface="Times New Roman"/>
+                <a:cs typeface="Times New Roman"/>
+              </a:rPr>
+              <a:t>SCM</a:t>
+            </a:r>
+            <a:endParaRPr lang="es-ES" sz="3600" dirty="0" smtClean="0">
+              <a:effectLst/>
+              <a:latin typeface="Times New Roman"/>
+              <a:cs typeface="Times New Roman"/>
+            </a:endParaRPr>
+          </a:p>
+        </p:txBody>
+      </p:sp>
+      <p:sp>
+        <p:nvSpPr>
+          <p:cNvPr id="12" name="Rectángulo redondeado 20"/>
+          <p:cNvSpPr/>
+          <p:nvPr/>
+        </p:nvSpPr>
+        <p:spPr>
+          <a:xfrm>
+            <a:off x="1088091" y="19649274"/>
+            <a:ext cx="33915768" cy="4104456"/>
+          </a:xfrm>
+          <a:prstGeom prst="roundRect">
+            <a:avLst>
+              <a:gd name="adj" fmla="val 3951"/>
+            </a:avLst>
+          </a:prstGeom>
+          <a:solidFill>
+            <a:schemeClr val="lt1">
+              <a:alpha val="37000"/>
+            </a:schemeClr>
+          </a:solidFill>
+          <a:ln>
+            <a:solidFill>
+              <a:schemeClr val="accent1">
+                <a:shade val="75000"/>
+                <a:satMod val="125000"/>
+                <a:lumMod val="75000"/>
+                <a:alpha val="50000"/>
+              </a:schemeClr>
+            </a:solidFill>
+          </a:ln>
+        </p:spPr>
+        <p:style>
+          <a:lnRef idx="2">
+            <a:schemeClr val="accent1"/>
+          </a:lnRef>
+          <a:fillRef idx="1">
+            <a:schemeClr val="lt1"/>
+          </a:fillRef>
+          <a:effectRef idx="0">
+            <a:schemeClr val="accent1"/>
+          </a:effectRef>
+          <a:fontRef idx="minor">
+            <a:schemeClr val="dk1"/>
+          </a:fontRef>
+        </p:style>
+        <p:txBody>
+          <a:bodyPr lIns="360000" tIns="360000" rIns="360000" bIns="360000" rtlCol="0" anchor="ctr"/>
+          <a:lstStyle/>
+          <a:p>
+            <a:pPr algn="just"/>
+            <a:r>
+              <a:rPr lang="es-ES" sz="3600" dirty="0" smtClean="0">
+                <a:effectLst/>
+                <a:latin typeface="Times New Roman"/>
+                <a:cs typeface="Times New Roman"/>
+              </a:rPr>
+              <a:t>DISICO</a:t>
+            </a:r>
+          </a:p>
+          <a:p>
+            <a:pPr algn="just"/>
+            <a:r>
+              <a:rPr lang="es-ES" sz="3600" dirty="0" smtClean="0">
+                <a:latin typeface="Times New Roman"/>
+                <a:cs typeface="Times New Roman"/>
+              </a:rPr>
+              <a:t>SOLICITUDES</a:t>
+            </a:r>
+          </a:p>
+          <a:p>
+            <a:pPr algn="just"/>
+            <a:r>
+              <a:rPr lang="es-ES" sz="3600" dirty="0" smtClean="0">
+                <a:latin typeface="Times New Roman"/>
+                <a:cs typeface="Times New Roman"/>
+              </a:rPr>
+              <a:t>SCM</a:t>
+            </a:r>
+            <a:endParaRPr lang="es-ES" sz="3600" dirty="0" smtClean="0">
+              <a:effectLst/>
+              <a:latin typeface="Times New Roman"/>
+              <a:cs typeface="Times New Roman"/>
+            </a:endParaRPr>
+          </a:p>
+        </p:txBody>
+      </p:sp>
+      <p:sp>
+        <p:nvSpPr>
+          <p:cNvPr id="13" name="Rectángulo redondeado 20"/>
+          <p:cNvSpPr/>
+          <p:nvPr/>
+        </p:nvSpPr>
+        <p:spPr>
+          <a:xfrm>
+            <a:off x="992464" y="25329249"/>
+            <a:ext cx="33915768" cy="4104456"/>
+          </a:xfrm>
+          <a:prstGeom prst="roundRect">
+            <a:avLst>
+              <a:gd name="adj" fmla="val 3951"/>
+            </a:avLst>
+          </a:prstGeom>
+          <a:solidFill>
+            <a:schemeClr val="lt1">
+              <a:alpha val="37000"/>
+            </a:schemeClr>
+          </a:solidFill>
+          <a:ln>
+            <a:solidFill>
+              <a:schemeClr val="accent1">
+                <a:shade val="75000"/>
+                <a:satMod val="125000"/>
+                <a:lumMod val="75000"/>
+                <a:alpha val="50000"/>
+              </a:schemeClr>
+            </a:solidFill>
+          </a:ln>
+        </p:spPr>
+        <p:style>
+          <a:lnRef idx="2">
+            <a:schemeClr val="accent1"/>
+          </a:lnRef>
+          <a:fillRef idx="1">
+            <a:schemeClr val="lt1"/>
+          </a:fillRef>
+          <a:effectRef idx="0">
+            <a:schemeClr val="accent1"/>
+          </a:effectRef>
+          <a:fontRef idx="minor">
+            <a:schemeClr val="dk1"/>
+          </a:fontRef>
+        </p:style>
+        <p:txBody>
+          <a:bodyPr lIns="360000" tIns="360000" rIns="360000" bIns="360000" rtlCol="0" anchor="ctr"/>
+          <a:lstStyle/>
+          <a:p>
+            <a:pPr algn="just"/>
+            <a:r>
+              <a:rPr lang="es-ES" sz="3600" dirty="0" smtClean="0">
+                <a:effectLst/>
+                <a:latin typeface="Times New Roman"/>
+                <a:cs typeface="Times New Roman"/>
+              </a:rPr>
+              <a:t>DISICO</a:t>
+            </a:r>
+          </a:p>
+          <a:p>
+            <a:pPr algn="just"/>
+            <a:r>
+              <a:rPr lang="es-ES" sz="3600" dirty="0" smtClean="0">
+                <a:latin typeface="Times New Roman"/>
+                <a:cs typeface="Times New Roman"/>
+              </a:rPr>
+              <a:t>SOLICITUDES</a:t>
+            </a:r>
+          </a:p>
+          <a:p>
+            <a:pPr algn="just"/>
+            <a:r>
+              <a:rPr lang="es-ES" sz="3600" dirty="0" smtClean="0">
+                <a:latin typeface="Times New Roman"/>
+                <a:cs typeface="Times New Roman"/>
+              </a:rPr>
+              <a:t>SCM</a:t>
+            </a:r>
+            <a:endParaRPr lang="es-ES" sz="3600" dirty="0" smtClean="0">
+              <a:effectLst/>
+              <a:latin typeface="Times New Roman"/>
+              <a:cs typeface="Times New Roman"/>
+            </a:endParaRPr>
+          </a:p>
+        </p:txBody>
+      </p:sp>
+      <p:sp>
+        <p:nvSpPr>
+          <p:cNvPr id="14" name="Redondear rectángulo de esquina del mismo lado 22"/>
+          <p:cNvSpPr/>
+          <p:nvPr/>
+        </p:nvSpPr>
+        <p:spPr>
+          <a:xfrm>
+            <a:off x="19946466" y="24435825"/>
+            <a:ext cx="14961766" cy="893424"/>
           </a:xfrm>
           <a:prstGeom prst="round2SameRect">
             <a:avLst>
@@ -16241,14 +16557,7 @@
                 <a:latin typeface="Times New Roman"/>
                 <a:cs typeface="Times New Roman"/>
               </a:rPr>
-              <a:t>SOLUCI</a:t>
-            </a:r>
-            <a:r>
-              <a:rPr lang="es-ES" sz="4000" b="1" dirty="0" smtClean="0">
-                <a:latin typeface="Times New Roman"/>
-                <a:cs typeface="Times New Roman"/>
-              </a:rPr>
-              <a:t>ÓN PROPUESTA</a:t>
+              <a:t>SOLUCIÓN PROPUESTA</a:t>
             </a:r>
             <a:endParaRPr lang="es-ES" sz="4400" b="1" dirty="0">
               <a:latin typeface="Times New Roman"/>
@@ -16259,79 +16568,27 @@
       </p:sp>
       <p:sp>
         <p:nvSpPr>
-          <p:cNvPr id="3" name="Rectángulo 2"/>
-          <p:cNvSpPr/>
+          <p:cNvPr id="2" name="1 CuadroTexto"/>
+          <p:cNvSpPr txBox="1"/>
           <p:nvPr/>
         </p:nvSpPr>
         <p:spPr>
           <a:xfrm>
-            <a:off x="1008362" y="3352728"/>
-            <a:ext cx="34275808" cy="2123658"/>
+            <a:off x="19082370" y="14606671"/>
+            <a:ext cx="4608512" cy="2808312"/>
           </a:xfrm>
           <a:prstGeom prst="rect">
             <a:avLst/>
           </a:prstGeom>
+          <a:noFill/>
         </p:spPr>
         <p:txBody>
-          <a:bodyPr wrap="square">
+          <a:bodyPr wrap="square" rtlCol="0">
             <a:spAutoFit/>
           </a:bodyPr>
           <a:lstStyle/>
           <a:p>
-            <a:pPr algn="ctr"/>
-            <a:r>
-              <a:rPr lang="es-ES" sz="6600" b="1" dirty="0" smtClean="0">
-                <a:ln w="10541" cmpd="sng">
-                  <a:solidFill>
-                    <a:srgbClr val="7D7D7D">
-                      <a:tint val="100000"/>
-                      <a:shade val="100000"/>
-                      <a:satMod val="110000"/>
-                    </a:srgbClr>
-                  </a:solidFill>
-                  <a:prstDash val="solid"/>
-                </a:ln>
-                <a:solidFill>
-                  <a:srgbClr val="262626"/>
-                </a:solidFill>
-                <a:effectLst>
-                  <a:glow rad="101600">
-                    <a:schemeClr val="accent2">
-                      <a:satMod val="175000"/>
-                      <a:alpha val="40000"/>
-                    </a:schemeClr>
-                  </a:glow>
-                </a:effectLst>
-                <a:latin typeface="Times New Roman"/>
-                <a:cs typeface="Times New Roman"/>
-              </a:rPr>
-              <a:t>DESARROLLO DE UNA PLATAFORMA PARA LA SOLICITUD Y GESTIÓN DE REQUERIMIENTOS Y SCM</a:t>
-            </a:r>
-            <a:endParaRPr lang="es-ES" sz="6600" b="1" dirty="0" smtClean="0">
-              <a:ln w="10541" cmpd="sng">
-                <a:solidFill>
-                  <a:srgbClr val="7D7D7D">
-                    <a:tint val="100000"/>
-                    <a:shade val="100000"/>
-                    <a:satMod val="110000"/>
-                  </a:srgbClr>
-                </a:solidFill>
-                <a:prstDash val="solid"/>
-              </a:ln>
-              <a:solidFill>
-                <a:srgbClr val="262626"/>
-              </a:solidFill>
-              <a:effectLst>
-                <a:glow rad="101600">
-                  <a:schemeClr val="accent2">
-                    <a:satMod val="175000"/>
-                    <a:alpha val="40000"/>
-                  </a:schemeClr>
-                </a:glow>
-              </a:effectLst>
-              <a:latin typeface="Times New Roman"/>
-              <a:cs typeface="Times New Roman"/>
-            </a:endParaRPr>
+            <a:endParaRPr lang="es-CL" dirty="0"/>
           </a:p>
         </p:txBody>
       </p:sp>
@@ -16345,11 +16602,11 @@
   <p:clrMapOvr>
     <a:masterClrMapping/>
   </p:clrMapOvr>
-  <mc:AlternateContent xmlns:mc="http://schemas.openxmlformats.org/markup-compatibility/2006">
-    <mc:Choice xmlns:p14="http://schemas.microsoft.com/office/powerpoint/2010/main" Requires="p14">
+  <mc:AlternateContent xmlns:mc="http://schemas.openxmlformats.org/markup-compatibility/2006" xmlns:p14="http://schemas.microsoft.com/office/powerpoint/2010/main">
+    <mc:Choice Requires="p14">
       <p:transition spd="slow" p14:dur="2000"/>
     </mc:Choice>
-    <mc:Fallback>
+    <mc:Fallback xmlns="">
       <p:transition xmlns:p14="http://schemas.microsoft.com/office/powerpoint/2010/main" spd="slow"/>
     </mc:Fallback>
   </mc:AlternateContent>
